--- a/ppt 16-9/0652.耶稣的爱.pptx
+++ b/ppt 16-9/0652.耶稣的爱.pptx
@@ -5,7 +5,7 @@
     <p:sldMasterId id="2147483648" r:id="rId1"/>
   </p:sldMasterIdLst>
   <p:sldIdLst>
-    <p:sldId id="2455" r:id="rId2"/>
+    <p:sldId id="2456" r:id="rId2"/>
   </p:sldIdLst>
   <p:sldSz cx="12192000" cy="6858000"/>
   <p:notesSz cx="6858000" cy="9144000"/>
@@ -129,7 +129,7 @@
           <p:cNvPr id="2" name="标题 1">
             <a:extLst>
               <a:ext uri="{FF2B5EF4-FFF2-40B4-BE49-F238E27FC236}">
-                <a16:creationId xmlns:a16="http://schemas.microsoft.com/office/drawing/2014/main" id="{C6A88BAB-B3BC-3316-FE5D-5AFD111A5E22}"/>
+                <a16:creationId xmlns:a16="http://schemas.microsoft.com/office/drawing/2014/main" id="{DA7EA5EE-2C73-0D72-F2A8-7503446D6725}"/>
               </a:ext>
             </a:extLst>
           </p:cNvPr>
@@ -166,7 +166,7 @@
           <p:cNvPr id="3" name="副标题 2">
             <a:extLst>
               <a:ext uri="{FF2B5EF4-FFF2-40B4-BE49-F238E27FC236}">
-                <a16:creationId xmlns:a16="http://schemas.microsoft.com/office/drawing/2014/main" id="{12E0E1D1-D479-5439-BC48-BEAC1B9C3E33}"/>
+                <a16:creationId xmlns:a16="http://schemas.microsoft.com/office/drawing/2014/main" id="{D017F5C5-57A2-8967-A8AD-FDF80AE8A9C5}"/>
               </a:ext>
             </a:extLst>
           </p:cNvPr>
@@ -236,7 +236,7 @@
           <p:cNvPr id="4" name="日期占位符 3">
             <a:extLst>
               <a:ext uri="{FF2B5EF4-FFF2-40B4-BE49-F238E27FC236}">
-                <a16:creationId xmlns:a16="http://schemas.microsoft.com/office/drawing/2014/main" id="{16685560-E1ED-8321-5291-4A62FBC9E798}"/>
+                <a16:creationId xmlns:a16="http://schemas.microsoft.com/office/drawing/2014/main" id="{488F5E8D-4A35-A11C-5673-C1D1E5D5E3BD}"/>
               </a:ext>
             </a:extLst>
           </p:cNvPr>
@@ -252,7 +252,7 @@
           <a:bodyPr/>
           <a:lstStyle/>
           <a:p>
-            <a:fld id="{14734214-FEBB-4CC3-96BD-EEA339DDF874}" type="datetimeFigureOut">
+            <a:fld id="{D04B1EF6-6D5B-4CCE-8D38-FE728C838A6F}" type="datetimeFigureOut">
               <a:rPr lang="zh-CN" altLang="en-US" smtClean="0"/>
               <a:t>2024/3/10</a:t>
             </a:fld>
@@ -265,7 +265,7 @@
           <p:cNvPr id="5" name="页脚占位符 4">
             <a:extLst>
               <a:ext uri="{FF2B5EF4-FFF2-40B4-BE49-F238E27FC236}">
-                <a16:creationId xmlns:a16="http://schemas.microsoft.com/office/drawing/2014/main" id="{F9424974-1992-156C-4C5D-33EF9730EC38}"/>
+                <a16:creationId xmlns:a16="http://schemas.microsoft.com/office/drawing/2014/main" id="{B14D102A-B516-EF3D-AAD3-18EAAD01E3F6}"/>
               </a:ext>
             </a:extLst>
           </p:cNvPr>
@@ -290,7 +290,7 @@
           <p:cNvPr id="6" name="灯片编号占位符 5">
             <a:extLst>
               <a:ext uri="{FF2B5EF4-FFF2-40B4-BE49-F238E27FC236}">
-                <a16:creationId xmlns:a16="http://schemas.microsoft.com/office/drawing/2014/main" id="{C690DE63-0BA1-221E-B011-74F1A6E98474}"/>
+                <a16:creationId xmlns:a16="http://schemas.microsoft.com/office/drawing/2014/main" id="{D5F3F48F-E40D-A22F-25C0-C933AAACDBE1}"/>
               </a:ext>
             </a:extLst>
           </p:cNvPr>
@@ -306,7 +306,7 @@
           <a:bodyPr/>
           <a:lstStyle/>
           <a:p>
-            <a:fld id="{930F1250-EBD9-419F-8F5D-63CABC651E0A}" type="slidenum">
+            <a:fld id="{C1F28DDF-9139-498C-98B9-90C7B274E8D7}" type="slidenum">
               <a:rPr lang="zh-CN" altLang="en-US" smtClean="0"/>
               <a:t>‹#›</a:t>
             </a:fld>
@@ -317,7 +317,7 @@
     </p:spTree>
     <p:extLst>
       <p:ext uri="{BB962C8B-B14F-4D97-AF65-F5344CB8AC3E}">
-        <p14:creationId xmlns:p14="http://schemas.microsoft.com/office/powerpoint/2010/main" val="1718240778"/>
+        <p14:creationId xmlns:p14="http://schemas.microsoft.com/office/powerpoint/2010/main" val="3422811107"/>
       </p:ext>
     </p:extLst>
   </p:cSld>
@@ -349,7 +349,7 @@
           <p:cNvPr id="2" name="标题 1">
             <a:extLst>
               <a:ext uri="{FF2B5EF4-FFF2-40B4-BE49-F238E27FC236}">
-                <a16:creationId xmlns:a16="http://schemas.microsoft.com/office/drawing/2014/main" id="{DFB196D3-CA78-296F-D02D-16CDD4613C74}"/>
+                <a16:creationId xmlns:a16="http://schemas.microsoft.com/office/drawing/2014/main" id="{39C89C96-A16B-C27D-AC86-728146B22520}"/>
               </a:ext>
             </a:extLst>
           </p:cNvPr>
@@ -377,7 +377,7 @@
           <p:cNvPr id="3" name="竖排文字占位符 2">
             <a:extLst>
               <a:ext uri="{FF2B5EF4-FFF2-40B4-BE49-F238E27FC236}">
-                <a16:creationId xmlns:a16="http://schemas.microsoft.com/office/drawing/2014/main" id="{E07C4BE2-2641-81DA-3710-8BD9FD7948BF}"/>
+                <a16:creationId xmlns:a16="http://schemas.microsoft.com/office/drawing/2014/main" id="{A7E73BD1-4B9E-E1D7-3F5A-7AF9E2340A14}"/>
               </a:ext>
             </a:extLst>
           </p:cNvPr>
@@ -434,7 +434,7 @@
           <p:cNvPr id="4" name="日期占位符 3">
             <a:extLst>
               <a:ext uri="{FF2B5EF4-FFF2-40B4-BE49-F238E27FC236}">
-                <a16:creationId xmlns:a16="http://schemas.microsoft.com/office/drawing/2014/main" id="{AA6491BE-FD28-A763-8183-41DA3FDABA66}"/>
+                <a16:creationId xmlns:a16="http://schemas.microsoft.com/office/drawing/2014/main" id="{C1989D82-2236-BE0E-5ABD-4700DD25F54E}"/>
               </a:ext>
             </a:extLst>
           </p:cNvPr>
@@ -450,7 +450,7 @@
           <a:bodyPr/>
           <a:lstStyle/>
           <a:p>
-            <a:fld id="{14734214-FEBB-4CC3-96BD-EEA339DDF874}" type="datetimeFigureOut">
+            <a:fld id="{D04B1EF6-6D5B-4CCE-8D38-FE728C838A6F}" type="datetimeFigureOut">
               <a:rPr lang="zh-CN" altLang="en-US" smtClean="0"/>
               <a:t>2024/3/10</a:t>
             </a:fld>
@@ -463,7 +463,7 @@
           <p:cNvPr id="5" name="页脚占位符 4">
             <a:extLst>
               <a:ext uri="{FF2B5EF4-FFF2-40B4-BE49-F238E27FC236}">
-                <a16:creationId xmlns:a16="http://schemas.microsoft.com/office/drawing/2014/main" id="{2EEAA7D5-4E9F-FBAB-ABFC-13EA2BEEC111}"/>
+                <a16:creationId xmlns:a16="http://schemas.microsoft.com/office/drawing/2014/main" id="{3AACA723-7302-CD3A-A7CE-C4EB0C6E4CF0}"/>
               </a:ext>
             </a:extLst>
           </p:cNvPr>
@@ -488,7 +488,7 @@
           <p:cNvPr id="6" name="灯片编号占位符 5">
             <a:extLst>
               <a:ext uri="{FF2B5EF4-FFF2-40B4-BE49-F238E27FC236}">
-                <a16:creationId xmlns:a16="http://schemas.microsoft.com/office/drawing/2014/main" id="{8939C902-79A9-2424-EB36-D24111A37320}"/>
+                <a16:creationId xmlns:a16="http://schemas.microsoft.com/office/drawing/2014/main" id="{B38B3939-A115-2CA6-5E94-522E91EE6EB4}"/>
               </a:ext>
             </a:extLst>
           </p:cNvPr>
@@ -504,7 +504,7 @@
           <a:bodyPr/>
           <a:lstStyle/>
           <a:p>
-            <a:fld id="{930F1250-EBD9-419F-8F5D-63CABC651E0A}" type="slidenum">
+            <a:fld id="{C1F28DDF-9139-498C-98B9-90C7B274E8D7}" type="slidenum">
               <a:rPr lang="zh-CN" altLang="en-US" smtClean="0"/>
               <a:t>‹#›</a:t>
             </a:fld>
@@ -515,7 +515,7 @@
     </p:spTree>
     <p:extLst>
       <p:ext uri="{BB962C8B-B14F-4D97-AF65-F5344CB8AC3E}">
-        <p14:creationId xmlns:p14="http://schemas.microsoft.com/office/powerpoint/2010/main" val="3654738153"/>
+        <p14:creationId xmlns:p14="http://schemas.microsoft.com/office/powerpoint/2010/main" val="305921480"/>
       </p:ext>
     </p:extLst>
   </p:cSld>
@@ -547,7 +547,7 @@
           <p:cNvPr id="2" name="竖排标题 1">
             <a:extLst>
               <a:ext uri="{FF2B5EF4-FFF2-40B4-BE49-F238E27FC236}">
-                <a16:creationId xmlns:a16="http://schemas.microsoft.com/office/drawing/2014/main" id="{5A80AD0E-B2A2-8A09-8373-B019A323FC92}"/>
+                <a16:creationId xmlns:a16="http://schemas.microsoft.com/office/drawing/2014/main" id="{669C087A-1AB0-F932-2C58-8262BB087884}"/>
               </a:ext>
             </a:extLst>
           </p:cNvPr>
@@ -580,7 +580,7 @@
           <p:cNvPr id="3" name="竖排文字占位符 2">
             <a:extLst>
               <a:ext uri="{FF2B5EF4-FFF2-40B4-BE49-F238E27FC236}">
-                <a16:creationId xmlns:a16="http://schemas.microsoft.com/office/drawing/2014/main" id="{A7F1A574-662F-D526-9874-A922711E3AC4}"/>
+                <a16:creationId xmlns:a16="http://schemas.microsoft.com/office/drawing/2014/main" id="{5B79599A-8DC8-E79D-CA2D-C74F7F71A03D}"/>
               </a:ext>
             </a:extLst>
           </p:cNvPr>
@@ -642,7 +642,7 @@
           <p:cNvPr id="4" name="日期占位符 3">
             <a:extLst>
               <a:ext uri="{FF2B5EF4-FFF2-40B4-BE49-F238E27FC236}">
-                <a16:creationId xmlns:a16="http://schemas.microsoft.com/office/drawing/2014/main" id="{67437715-A1BB-0053-FD2F-B10DDB66DCB7}"/>
+                <a16:creationId xmlns:a16="http://schemas.microsoft.com/office/drawing/2014/main" id="{A40AFA96-007D-E5D9-F879-DB43C713CB55}"/>
               </a:ext>
             </a:extLst>
           </p:cNvPr>
@@ -658,7 +658,7 @@
           <a:bodyPr/>
           <a:lstStyle/>
           <a:p>
-            <a:fld id="{14734214-FEBB-4CC3-96BD-EEA339DDF874}" type="datetimeFigureOut">
+            <a:fld id="{D04B1EF6-6D5B-4CCE-8D38-FE728C838A6F}" type="datetimeFigureOut">
               <a:rPr lang="zh-CN" altLang="en-US" smtClean="0"/>
               <a:t>2024/3/10</a:t>
             </a:fld>
@@ -671,7 +671,7 @@
           <p:cNvPr id="5" name="页脚占位符 4">
             <a:extLst>
               <a:ext uri="{FF2B5EF4-FFF2-40B4-BE49-F238E27FC236}">
-                <a16:creationId xmlns:a16="http://schemas.microsoft.com/office/drawing/2014/main" id="{E9ACB3CE-521A-049A-FEE3-8A206D180F5E}"/>
+                <a16:creationId xmlns:a16="http://schemas.microsoft.com/office/drawing/2014/main" id="{1F590CE7-20F1-0FA1-810C-30023ED69140}"/>
               </a:ext>
             </a:extLst>
           </p:cNvPr>
@@ -696,7 +696,7 @@
           <p:cNvPr id="6" name="灯片编号占位符 5">
             <a:extLst>
               <a:ext uri="{FF2B5EF4-FFF2-40B4-BE49-F238E27FC236}">
-                <a16:creationId xmlns:a16="http://schemas.microsoft.com/office/drawing/2014/main" id="{DCF73B63-8CCF-FF7D-B30E-FEF695B5B5F4}"/>
+                <a16:creationId xmlns:a16="http://schemas.microsoft.com/office/drawing/2014/main" id="{94C20C24-A330-7223-34C8-897F3C1DDCBF}"/>
               </a:ext>
             </a:extLst>
           </p:cNvPr>
@@ -712,7 +712,7 @@
           <a:bodyPr/>
           <a:lstStyle/>
           <a:p>
-            <a:fld id="{930F1250-EBD9-419F-8F5D-63CABC651E0A}" type="slidenum">
+            <a:fld id="{C1F28DDF-9139-498C-98B9-90C7B274E8D7}" type="slidenum">
               <a:rPr lang="zh-CN" altLang="en-US" smtClean="0"/>
               <a:t>‹#›</a:t>
             </a:fld>
@@ -723,7 +723,7 @@
     </p:spTree>
     <p:extLst>
       <p:ext uri="{BB962C8B-B14F-4D97-AF65-F5344CB8AC3E}">
-        <p14:creationId xmlns:p14="http://schemas.microsoft.com/office/powerpoint/2010/main" val="3406530656"/>
+        <p14:creationId xmlns:p14="http://schemas.microsoft.com/office/powerpoint/2010/main" val="1714479985"/>
       </p:ext>
     </p:extLst>
   </p:cSld>
@@ -755,7 +755,7 @@
           <p:cNvPr id="2" name="标题 1">
             <a:extLst>
               <a:ext uri="{FF2B5EF4-FFF2-40B4-BE49-F238E27FC236}">
-                <a16:creationId xmlns:a16="http://schemas.microsoft.com/office/drawing/2014/main" id="{B87D4B62-A67E-C94C-4617-D1048B2B7D5F}"/>
+                <a16:creationId xmlns:a16="http://schemas.microsoft.com/office/drawing/2014/main" id="{D925F47F-0B30-EA4F-7F2C-AD718ED1BEC4}"/>
               </a:ext>
             </a:extLst>
           </p:cNvPr>
@@ -783,7 +783,7 @@
           <p:cNvPr id="3" name="内容占位符 2">
             <a:extLst>
               <a:ext uri="{FF2B5EF4-FFF2-40B4-BE49-F238E27FC236}">
-                <a16:creationId xmlns:a16="http://schemas.microsoft.com/office/drawing/2014/main" id="{21CA6D34-6E5C-4E2F-5BC8-B0485BB9AD34}"/>
+                <a16:creationId xmlns:a16="http://schemas.microsoft.com/office/drawing/2014/main" id="{6FBDD795-4D88-94F9-9E79-A3918CA270E7}"/>
               </a:ext>
             </a:extLst>
           </p:cNvPr>
@@ -840,7 +840,7 @@
           <p:cNvPr id="4" name="日期占位符 3">
             <a:extLst>
               <a:ext uri="{FF2B5EF4-FFF2-40B4-BE49-F238E27FC236}">
-                <a16:creationId xmlns:a16="http://schemas.microsoft.com/office/drawing/2014/main" id="{877221E2-9F48-AF1E-45F8-6725EBEBDCA7}"/>
+                <a16:creationId xmlns:a16="http://schemas.microsoft.com/office/drawing/2014/main" id="{17D3A5FF-B261-59BE-BD21-0F57B6FCF840}"/>
               </a:ext>
             </a:extLst>
           </p:cNvPr>
@@ -856,7 +856,7 @@
           <a:bodyPr/>
           <a:lstStyle/>
           <a:p>
-            <a:fld id="{14734214-FEBB-4CC3-96BD-EEA339DDF874}" type="datetimeFigureOut">
+            <a:fld id="{D04B1EF6-6D5B-4CCE-8D38-FE728C838A6F}" type="datetimeFigureOut">
               <a:rPr lang="zh-CN" altLang="en-US" smtClean="0"/>
               <a:t>2024/3/10</a:t>
             </a:fld>
@@ -869,7 +869,7 @@
           <p:cNvPr id="5" name="页脚占位符 4">
             <a:extLst>
               <a:ext uri="{FF2B5EF4-FFF2-40B4-BE49-F238E27FC236}">
-                <a16:creationId xmlns:a16="http://schemas.microsoft.com/office/drawing/2014/main" id="{4AEE324D-8FCD-3C09-C24C-4A3E1CEED89E}"/>
+                <a16:creationId xmlns:a16="http://schemas.microsoft.com/office/drawing/2014/main" id="{B724B487-7DF2-6FDC-FAA9-B9E7583BD5C1}"/>
               </a:ext>
             </a:extLst>
           </p:cNvPr>
@@ -894,7 +894,7 @@
           <p:cNvPr id="6" name="灯片编号占位符 5">
             <a:extLst>
               <a:ext uri="{FF2B5EF4-FFF2-40B4-BE49-F238E27FC236}">
-                <a16:creationId xmlns:a16="http://schemas.microsoft.com/office/drawing/2014/main" id="{AABFBC90-5F09-3DD9-8BBC-188F6F8F5836}"/>
+                <a16:creationId xmlns:a16="http://schemas.microsoft.com/office/drawing/2014/main" id="{A5D4F332-F551-47AF-C5AC-A31DA9A63FAD}"/>
               </a:ext>
             </a:extLst>
           </p:cNvPr>
@@ -910,7 +910,7 @@
           <a:bodyPr/>
           <a:lstStyle/>
           <a:p>
-            <a:fld id="{930F1250-EBD9-419F-8F5D-63CABC651E0A}" type="slidenum">
+            <a:fld id="{C1F28DDF-9139-498C-98B9-90C7B274E8D7}" type="slidenum">
               <a:rPr lang="zh-CN" altLang="en-US" smtClean="0"/>
               <a:t>‹#›</a:t>
             </a:fld>
@@ -921,7 +921,7 @@
     </p:spTree>
     <p:extLst>
       <p:ext uri="{BB962C8B-B14F-4D97-AF65-F5344CB8AC3E}">
-        <p14:creationId xmlns:p14="http://schemas.microsoft.com/office/powerpoint/2010/main" val="2396977245"/>
+        <p14:creationId xmlns:p14="http://schemas.microsoft.com/office/powerpoint/2010/main" val="2704202077"/>
       </p:ext>
     </p:extLst>
   </p:cSld>
@@ -953,7 +953,7 @@
           <p:cNvPr id="2" name="标题 1">
             <a:extLst>
               <a:ext uri="{FF2B5EF4-FFF2-40B4-BE49-F238E27FC236}">
-                <a16:creationId xmlns:a16="http://schemas.microsoft.com/office/drawing/2014/main" id="{BBB6A16E-ADFB-3583-B74F-7A917C0D8123}"/>
+                <a16:creationId xmlns:a16="http://schemas.microsoft.com/office/drawing/2014/main" id="{403D0428-F853-F751-68E4-2C9A9D841F7D}"/>
               </a:ext>
             </a:extLst>
           </p:cNvPr>
@@ -990,7 +990,7 @@
           <p:cNvPr id="3" name="文本占位符 2">
             <a:extLst>
               <a:ext uri="{FF2B5EF4-FFF2-40B4-BE49-F238E27FC236}">
-                <a16:creationId xmlns:a16="http://schemas.microsoft.com/office/drawing/2014/main" id="{CAFE72D0-110D-8B1A-3A68-DBA6D1CE41A5}"/>
+                <a16:creationId xmlns:a16="http://schemas.microsoft.com/office/drawing/2014/main" id="{28A26244-4D3C-A6F5-6284-D36B96A06409}"/>
               </a:ext>
             </a:extLst>
           </p:cNvPr>
@@ -1115,7 +1115,7 @@
           <p:cNvPr id="4" name="日期占位符 3">
             <a:extLst>
               <a:ext uri="{FF2B5EF4-FFF2-40B4-BE49-F238E27FC236}">
-                <a16:creationId xmlns:a16="http://schemas.microsoft.com/office/drawing/2014/main" id="{A6DCA64E-F288-1E37-CE65-E0D345452F47}"/>
+                <a16:creationId xmlns:a16="http://schemas.microsoft.com/office/drawing/2014/main" id="{CC23E0F8-4D3E-1DEA-34FF-26BFE993DF86}"/>
               </a:ext>
             </a:extLst>
           </p:cNvPr>
@@ -1131,7 +1131,7 @@
           <a:bodyPr/>
           <a:lstStyle/>
           <a:p>
-            <a:fld id="{14734214-FEBB-4CC3-96BD-EEA339DDF874}" type="datetimeFigureOut">
+            <a:fld id="{D04B1EF6-6D5B-4CCE-8D38-FE728C838A6F}" type="datetimeFigureOut">
               <a:rPr lang="zh-CN" altLang="en-US" smtClean="0"/>
               <a:t>2024/3/10</a:t>
             </a:fld>
@@ -1144,7 +1144,7 @@
           <p:cNvPr id="5" name="页脚占位符 4">
             <a:extLst>
               <a:ext uri="{FF2B5EF4-FFF2-40B4-BE49-F238E27FC236}">
-                <a16:creationId xmlns:a16="http://schemas.microsoft.com/office/drawing/2014/main" id="{F5EFDF69-48E9-2F6A-D795-62DCCC42E625}"/>
+                <a16:creationId xmlns:a16="http://schemas.microsoft.com/office/drawing/2014/main" id="{81CE47DB-85C0-DB08-A546-CC3D5C3F48DC}"/>
               </a:ext>
             </a:extLst>
           </p:cNvPr>
@@ -1169,7 +1169,7 @@
           <p:cNvPr id="6" name="灯片编号占位符 5">
             <a:extLst>
               <a:ext uri="{FF2B5EF4-FFF2-40B4-BE49-F238E27FC236}">
-                <a16:creationId xmlns:a16="http://schemas.microsoft.com/office/drawing/2014/main" id="{57C8EFF5-85AF-2E2D-A83E-7A947284677E}"/>
+                <a16:creationId xmlns:a16="http://schemas.microsoft.com/office/drawing/2014/main" id="{2FB4B71A-06D9-C00E-51AD-D11375025FA8}"/>
               </a:ext>
             </a:extLst>
           </p:cNvPr>
@@ -1185,7 +1185,7 @@
           <a:bodyPr/>
           <a:lstStyle/>
           <a:p>
-            <a:fld id="{930F1250-EBD9-419F-8F5D-63CABC651E0A}" type="slidenum">
+            <a:fld id="{C1F28DDF-9139-498C-98B9-90C7B274E8D7}" type="slidenum">
               <a:rPr lang="zh-CN" altLang="en-US" smtClean="0"/>
               <a:t>‹#›</a:t>
             </a:fld>
@@ -1196,7 +1196,7 @@
     </p:spTree>
     <p:extLst>
       <p:ext uri="{BB962C8B-B14F-4D97-AF65-F5344CB8AC3E}">
-        <p14:creationId xmlns:p14="http://schemas.microsoft.com/office/powerpoint/2010/main" val="3746393650"/>
+        <p14:creationId xmlns:p14="http://schemas.microsoft.com/office/powerpoint/2010/main" val="2712865468"/>
       </p:ext>
     </p:extLst>
   </p:cSld>
@@ -1228,7 +1228,7 @@
           <p:cNvPr id="2" name="标题 1">
             <a:extLst>
               <a:ext uri="{FF2B5EF4-FFF2-40B4-BE49-F238E27FC236}">
-                <a16:creationId xmlns:a16="http://schemas.microsoft.com/office/drawing/2014/main" id="{CC37DEDD-FD9F-ED68-DC35-84E3EF5B22AB}"/>
+                <a16:creationId xmlns:a16="http://schemas.microsoft.com/office/drawing/2014/main" id="{D3D7443E-4E14-FDA6-7FC7-D33B526773F5}"/>
               </a:ext>
             </a:extLst>
           </p:cNvPr>
@@ -1256,7 +1256,7 @@
           <p:cNvPr id="3" name="内容占位符 2">
             <a:extLst>
               <a:ext uri="{FF2B5EF4-FFF2-40B4-BE49-F238E27FC236}">
-                <a16:creationId xmlns:a16="http://schemas.microsoft.com/office/drawing/2014/main" id="{D50BABC4-0008-3EBA-CC9A-36EA8359195C}"/>
+                <a16:creationId xmlns:a16="http://schemas.microsoft.com/office/drawing/2014/main" id="{DADF3A96-E454-4D20-B87F-8FFD9C7AC856}"/>
               </a:ext>
             </a:extLst>
           </p:cNvPr>
@@ -1318,7 +1318,7 @@
           <p:cNvPr id="4" name="内容占位符 3">
             <a:extLst>
               <a:ext uri="{FF2B5EF4-FFF2-40B4-BE49-F238E27FC236}">
-                <a16:creationId xmlns:a16="http://schemas.microsoft.com/office/drawing/2014/main" id="{8F551579-EF26-963F-57CD-1AE817447C81}"/>
+                <a16:creationId xmlns:a16="http://schemas.microsoft.com/office/drawing/2014/main" id="{D2666E98-7BAF-09DC-2D37-BD5D765341E9}"/>
               </a:ext>
             </a:extLst>
           </p:cNvPr>
@@ -1380,7 +1380,7 @@
           <p:cNvPr id="5" name="日期占位符 4">
             <a:extLst>
               <a:ext uri="{FF2B5EF4-FFF2-40B4-BE49-F238E27FC236}">
-                <a16:creationId xmlns:a16="http://schemas.microsoft.com/office/drawing/2014/main" id="{A954A769-A3FB-95D0-76F9-EB4BF232B628}"/>
+                <a16:creationId xmlns:a16="http://schemas.microsoft.com/office/drawing/2014/main" id="{D7E96925-0BAD-5981-B36D-C9FD7639F4D5}"/>
               </a:ext>
             </a:extLst>
           </p:cNvPr>
@@ -1396,7 +1396,7 @@
           <a:bodyPr/>
           <a:lstStyle/>
           <a:p>
-            <a:fld id="{14734214-FEBB-4CC3-96BD-EEA339DDF874}" type="datetimeFigureOut">
+            <a:fld id="{D04B1EF6-6D5B-4CCE-8D38-FE728C838A6F}" type="datetimeFigureOut">
               <a:rPr lang="zh-CN" altLang="en-US" smtClean="0"/>
               <a:t>2024/3/10</a:t>
             </a:fld>
@@ -1409,7 +1409,7 @@
           <p:cNvPr id="6" name="页脚占位符 5">
             <a:extLst>
               <a:ext uri="{FF2B5EF4-FFF2-40B4-BE49-F238E27FC236}">
-                <a16:creationId xmlns:a16="http://schemas.microsoft.com/office/drawing/2014/main" id="{7CB4C1A8-B96E-A89F-A27F-F0A0F7C63732}"/>
+                <a16:creationId xmlns:a16="http://schemas.microsoft.com/office/drawing/2014/main" id="{CBD5A387-D432-5840-05F9-E54287785B1A}"/>
               </a:ext>
             </a:extLst>
           </p:cNvPr>
@@ -1434,7 +1434,7 @@
           <p:cNvPr id="7" name="灯片编号占位符 6">
             <a:extLst>
               <a:ext uri="{FF2B5EF4-FFF2-40B4-BE49-F238E27FC236}">
-                <a16:creationId xmlns:a16="http://schemas.microsoft.com/office/drawing/2014/main" id="{517B9B70-8FBD-A63E-64BC-C78075CF54DA}"/>
+                <a16:creationId xmlns:a16="http://schemas.microsoft.com/office/drawing/2014/main" id="{7971A683-CF83-FBD9-C2BA-5546AECEF000}"/>
               </a:ext>
             </a:extLst>
           </p:cNvPr>
@@ -1450,7 +1450,7 @@
           <a:bodyPr/>
           <a:lstStyle/>
           <a:p>
-            <a:fld id="{930F1250-EBD9-419F-8F5D-63CABC651E0A}" type="slidenum">
+            <a:fld id="{C1F28DDF-9139-498C-98B9-90C7B274E8D7}" type="slidenum">
               <a:rPr lang="zh-CN" altLang="en-US" smtClean="0"/>
               <a:t>‹#›</a:t>
             </a:fld>
@@ -1461,7 +1461,7 @@
     </p:spTree>
     <p:extLst>
       <p:ext uri="{BB962C8B-B14F-4D97-AF65-F5344CB8AC3E}">
-        <p14:creationId xmlns:p14="http://schemas.microsoft.com/office/powerpoint/2010/main" val="2259588504"/>
+        <p14:creationId xmlns:p14="http://schemas.microsoft.com/office/powerpoint/2010/main" val="2481679978"/>
       </p:ext>
     </p:extLst>
   </p:cSld>
@@ -1493,7 +1493,7 @@
           <p:cNvPr id="2" name="标题 1">
             <a:extLst>
               <a:ext uri="{FF2B5EF4-FFF2-40B4-BE49-F238E27FC236}">
-                <a16:creationId xmlns:a16="http://schemas.microsoft.com/office/drawing/2014/main" id="{D6C27D03-44B4-065F-4689-2502B46B31BF}"/>
+                <a16:creationId xmlns:a16="http://schemas.microsoft.com/office/drawing/2014/main" id="{D135C3EC-60E6-7724-1EFE-8B42EF104FE4}"/>
               </a:ext>
             </a:extLst>
           </p:cNvPr>
@@ -1526,7 +1526,7 @@
           <p:cNvPr id="3" name="文本占位符 2">
             <a:extLst>
               <a:ext uri="{FF2B5EF4-FFF2-40B4-BE49-F238E27FC236}">
-                <a16:creationId xmlns:a16="http://schemas.microsoft.com/office/drawing/2014/main" id="{AE843205-F8BE-D1DC-F290-7C533306996C}"/>
+                <a16:creationId xmlns:a16="http://schemas.microsoft.com/office/drawing/2014/main" id="{968E8683-6402-AB90-25F1-E0BD04FF916A}"/>
               </a:ext>
             </a:extLst>
           </p:cNvPr>
@@ -1597,7 +1597,7 @@
           <p:cNvPr id="4" name="内容占位符 3">
             <a:extLst>
               <a:ext uri="{FF2B5EF4-FFF2-40B4-BE49-F238E27FC236}">
-                <a16:creationId xmlns:a16="http://schemas.microsoft.com/office/drawing/2014/main" id="{A5A277A5-2D11-EA65-77EB-E4550E330B00}"/>
+                <a16:creationId xmlns:a16="http://schemas.microsoft.com/office/drawing/2014/main" id="{4E78F4B3-E5E7-1946-9080-19AB8E56B8C2}"/>
               </a:ext>
             </a:extLst>
           </p:cNvPr>
@@ -1659,7 +1659,7 @@
           <p:cNvPr id="5" name="文本占位符 4">
             <a:extLst>
               <a:ext uri="{FF2B5EF4-FFF2-40B4-BE49-F238E27FC236}">
-                <a16:creationId xmlns:a16="http://schemas.microsoft.com/office/drawing/2014/main" id="{4A513F2D-EAE2-4F1C-E808-AF62534891B3}"/>
+                <a16:creationId xmlns:a16="http://schemas.microsoft.com/office/drawing/2014/main" id="{BCBC57C1-E0D7-482C-9C72-77DE48360D93}"/>
               </a:ext>
             </a:extLst>
           </p:cNvPr>
@@ -1730,7 +1730,7 @@
           <p:cNvPr id="6" name="内容占位符 5">
             <a:extLst>
               <a:ext uri="{FF2B5EF4-FFF2-40B4-BE49-F238E27FC236}">
-                <a16:creationId xmlns:a16="http://schemas.microsoft.com/office/drawing/2014/main" id="{E0ED962D-A828-41CB-D58D-F914624A0AF5}"/>
+                <a16:creationId xmlns:a16="http://schemas.microsoft.com/office/drawing/2014/main" id="{C11A2510-7F01-DAAA-DF08-E7F74E7E7E0D}"/>
               </a:ext>
             </a:extLst>
           </p:cNvPr>
@@ -1792,7 +1792,7 @@
           <p:cNvPr id="7" name="日期占位符 6">
             <a:extLst>
               <a:ext uri="{FF2B5EF4-FFF2-40B4-BE49-F238E27FC236}">
-                <a16:creationId xmlns:a16="http://schemas.microsoft.com/office/drawing/2014/main" id="{53ADD8AC-ECDD-7BD2-D314-90A8DB0A51F5}"/>
+                <a16:creationId xmlns:a16="http://schemas.microsoft.com/office/drawing/2014/main" id="{19E97D94-B6F2-5900-52BD-0F46DC869B83}"/>
               </a:ext>
             </a:extLst>
           </p:cNvPr>
@@ -1808,7 +1808,7 @@
           <a:bodyPr/>
           <a:lstStyle/>
           <a:p>
-            <a:fld id="{14734214-FEBB-4CC3-96BD-EEA339DDF874}" type="datetimeFigureOut">
+            <a:fld id="{D04B1EF6-6D5B-4CCE-8D38-FE728C838A6F}" type="datetimeFigureOut">
               <a:rPr lang="zh-CN" altLang="en-US" smtClean="0"/>
               <a:t>2024/3/10</a:t>
             </a:fld>
@@ -1821,7 +1821,7 @@
           <p:cNvPr id="8" name="页脚占位符 7">
             <a:extLst>
               <a:ext uri="{FF2B5EF4-FFF2-40B4-BE49-F238E27FC236}">
-                <a16:creationId xmlns:a16="http://schemas.microsoft.com/office/drawing/2014/main" id="{8F3AB62D-F938-1370-B6E7-17530D705B01}"/>
+                <a16:creationId xmlns:a16="http://schemas.microsoft.com/office/drawing/2014/main" id="{1AB6D9CC-42D9-0D1E-921A-9EA3B6BD99E0}"/>
               </a:ext>
             </a:extLst>
           </p:cNvPr>
@@ -1846,7 +1846,7 @@
           <p:cNvPr id="9" name="灯片编号占位符 8">
             <a:extLst>
               <a:ext uri="{FF2B5EF4-FFF2-40B4-BE49-F238E27FC236}">
-                <a16:creationId xmlns:a16="http://schemas.microsoft.com/office/drawing/2014/main" id="{FAE37771-3886-F4F9-B8CA-016AC3FE0056}"/>
+                <a16:creationId xmlns:a16="http://schemas.microsoft.com/office/drawing/2014/main" id="{032670FA-2FBB-F902-9333-1A20D81ACCB9}"/>
               </a:ext>
             </a:extLst>
           </p:cNvPr>
@@ -1862,7 +1862,7 @@
           <a:bodyPr/>
           <a:lstStyle/>
           <a:p>
-            <a:fld id="{930F1250-EBD9-419F-8F5D-63CABC651E0A}" type="slidenum">
+            <a:fld id="{C1F28DDF-9139-498C-98B9-90C7B274E8D7}" type="slidenum">
               <a:rPr lang="zh-CN" altLang="en-US" smtClean="0"/>
               <a:t>‹#›</a:t>
             </a:fld>
@@ -1873,7 +1873,7 @@
     </p:spTree>
     <p:extLst>
       <p:ext uri="{BB962C8B-B14F-4D97-AF65-F5344CB8AC3E}">
-        <p14:creationId xmlns:p14="http://schemas.microsoft.com/office/powerpoint/2010/main" val="1076867166"/>
+        <p14:creationId xmlns:p14="http://schemas.microsoft.com/office/powerpoint/2010/main" val="1077479226"/>
       </p:ext>
     </p:extLst>
   </p:cSld>
@@ -1905,7 +1905,7 @@
           <p:cNvPr id="2" name="标题 1">
             <a:extLst>
               <a:ext uri="{FF2B5EF4-FFF2-40B4-BE49-F238E27FC236}">
-                <a16:creationId xmlns:a16="http://schemas.microsoft.com/office/drawing/2014/main" id="{C2BDBCCD-826B-11B3-4520-3477C039433F}"/>
+                <a16:creationId xmlns:a16="http://schemas.microsoft.com/office/drawing/2014/main" id="{B6F2C226-E8B0-8491-5110-D656EFCB1FC8}"/>
               </a:ext>
             </a:extLst>
           </p:cNvPr>
@@ -1933,7 +1933,7 @@
           <p:cNvPr id="3" name="日期占位符 2">
             <a:extLst>
               <a:ext uri="{FF2B5EF4-FFF2-40B4-BE49-F238E27FC236}">
-                <a16:creationId xmlns:a16="http://schemas.microsoft.com/office/drawing/2014/main" id="{4BC4F7CA-745E-95ED-DF02-BEDBC405886D}"/>
+                <a16:creationId xmlns:a16="http://schemas.microsoft.com/office/drawing/2014/main" id="{0034BF7E-1547-5D6F-B12E-A68FBB1201FA}"/>
               </a:ext>
             </a:extLst>
           </p:cNvPr>
@@ -1949,7 +1949,7 @@
           <a:bodyPr/>
           <a:lstStyle/>
           <a:p>
-            <a:fld id="{14734214-FEBB-4CC3-96BD-EEA339DDF874}" type="datetimeFigureOut">
+            <a:fld id="{D04B1EF6-6D5B-4CCE-8D38-FE728C838A6F}" type="datetimeFigureOut">
               <a:rPr lang="zh-CN" altLang="en-US" smtClean="0"/>
               <a:t>2024/3/10</a:t>
             </a:fld>
@@ -1962,7 +1962,7 @@
           <p:cNvPr id="4" name="页脚占位符 3">
             <a:extLst>
               <a:ext uri="{FF2B5EF4-FFF2-40B4-BE49-F238E27FC236}">
-                <a16:creationId xmlns:a16="http://schemas.microsoft.com/office/drawing/2014/main" id="{299100DF-58B1-4568-3450-90EE26C95795}"/>
+                <a16:creationId xmlns:a16="http://schemas.microsoft.com/office/drawing/2014/main" id="{F26E6072-9F03-0653-93C7-CC35745C30E4}"/>
               </a:ext>
             </a:extLst>
           </p:cNvPr>
@@ -1987,7 +1987,7 @@
           <p:cNvPr id="5" name="灯片编号占位符 4">
             <a:extLst>
               <a:ext uri="{FF2B5EF4-FFF2-40B4-BE49-F238E27FC236}">
-                <a16:creationId xmlns:a16="http://schemas.microsoft.com/office/drawing/2014/main" id="{A13FEE85-2255-CD55-5706-0B9B33AE0158}"/>
+                <a16:creationId xmlns:a16="http://schemas.microsoft.com/office/drawing/2014/main" id="{380DEC78-D9B9-5E21-FEEF-6E9F36DF5BE5}"/>
               </a:ext>
             </a:extLst>
           </p:cNvPr>
@@ -2003,7 +2003,7 @@
           <a:bodyPr/>
           <a:lstStyle/>
           <a:p>
-            <a:fld id="{930F1250-EBD9-419F-8F5D-63CABC651E0A}" type="slidenum">
+            <a:fld id="{C1F28DDF-9139-498C-98B9-90C7B274E8D7}" type="slidenum">
               <a:rPr lang="zh-CN" altLang="en-US" smtClean="0"/>
               <a:t>‹#›</a:t>
             </a:fld>
@@ -2014,7 +2014,7 @@
     </p:spTree>
     <p:extLst>
       <p:ext uri="{BB962C8B-B14F-4D97-AF65-F5344CB8AC3E}">
-        <p14:creationId xmlns:p14="http://schemas.microsoft.com/office/powerpoint/2010/main" val="2656084229"/>
+        <p14:creationId xmlns:p14="http://schemas.microsoft.com/office/powerpoint/2010/main" val="1447410518"/>
       </p:ext>
     </p:extLst>
   </p:cSld>
@@ -2046,7 +2046,7 @@
           <p:cNvPr id="2" name="日期占位符 1">
             <a:extLst>
               <a:ext uri="{FF2B5EF4-FFF2-40B4-BE49-F238E27FC236}">
-                <a16:creationId xmlns:a16="http://schemas.microsoft.com/office/drawing/2014/main" id="{6BF2E64F-DB0B-F73B-3869-8DFAB17F6229}"/>
+                <a16:creationId xmlns:a16="http://schemas.microsoft.com/office/drawing/2014/main" id="{08D5F3D9-F1B6-897E-62AE-1873A7536A07}"/>
               </a:ext>
             </a:extLst>
           </p:cNvPr>
@@ -2062,7 +2062,7 @@
           <a:bodyPr/>
           <a:lstStyle/>
           <a:p>
-            <a:fld id="{14734214-FEBB-4CC3-96BD-EEA339DDF874}" type="datetimeFigureOut">
+            <a:fld id="{D04B1EF6-6D5B-4CCE-8D38-FE728C838A6F}" type="datetimeFigureOut">
               <a:rPr lang="zh-CN" altLang="en-US" smtClean="0"/>
               <a:t>2024/3/10</a:t>
             </a:fld>
@@ -2075,7 +2075,7 @@
           <p:cNvPr id="3" name="页脚占位符 2">
             <a:extLst>
               <a:ext uri="{FF2B5EF4-FFF2-40B4-BE49-F238E27FC236}">
-                <a16:creationId xmlns:a16="http://schemas.microsoft.com/office/drawing/2014/main" id="{56EA77BB-11CF-8291-311A-A4A511B775CD}"/>
+                <a16:creationId xmlns:a16="http://schemas.microsoft.com/office/drawing/2014/main" id="{E5BAD1BD-DA52-3A53-6E67-2C656FE46AA4}"/>
               </a:ext>
             </a:extLst>
           </p:cNvPr>
@@ -2100,7 +2100,7 @@
           <p:cNvPr id="4" name="灯片编号占位符 3">
             <a:extLst>
               <a:ext uri="{FF2B5EF4-FFF2-40B4-BE49-F238E27FC236}">
-                <a16:creationId xmlns:a16="http://schemas.microsoft.com/office/drawing/2014/main" id="{7396DACA-9A63-B3AD-AE47-191FA11501E9}"/>
+                <a16:creationId xmlns:a16="http://schemas.microsoft.com/office/drawing/2014/main" id="{1DF0665F-21B0-6121-4F8D-B12FB701A6F2}"/>
               </a:ext>
             </a:extLst>
           </p:cNvPr>
@@ -2116,7 +2116,7 @@
           <a:bodyPr/>
           <a:lstStyle/>
           <a:p>
-            <a:fld id="{930F1250-EBD9-419F-8F5D-63CABC651E0A}" type="slidenum">
+            <a:fld id="{C1F28DDF-9139-498C-98B9-90C7B274E8D7}" type="slidenum">
               <a:rPr lang="zh-CN" altLang="en-US" smtClean="0"/>
               <a:t>‹#›</a:t>
             </a:fld>
@@ -2127,7 +2127,7 @@
     </p:spTree>
     <p:extLst>
       <p:ext uri="{BB962C8B-B14F-4D97-AF65-F5344CB8AC3E}">
-        <p14:creationId xmlns:p14="http://schemas.microsoft.com/office/powerpoint/2010/main" val="1745277284"/>
+        <p14:creationId xmlns:p14="http://schemas.microsoft.com/office/powerpoint/2010/main" val="3815196309"/>
       </p:ext>
     </p:extLst>
   </p:cSld>
@@ -2159,7 +2159,7 @@
           <p:cNvPr id="2" name="标题 1">
             <a:extLst>
               <a:ext uri="{FF2B5EF4-FFF2-40B4-BE49-F238E27FC236}">
-                <a16:creationId xmlns:a16="http://schemas.microsoft.com/office/drawing/2014/main" id="{58BA7120-0B0F-FFE6-E6B8-90C3CBF2F16F}"/>
+                <a16:creationId xmlns:a16="http://schemas.microsoft.com/office/drawing/2014/main" id="{B9CA12D0-3869-CF81-44CF-E6565650F95F}"/>
               </a:ext>
             </a:extLst>
           </p:cNvPr>
@@ -2196,7 +2196,7 @@
           <p:cNvPr id="3" name="内容占位符 2">
             <a:extLst>
               <a:ext uri="{FF2B5EF4-FFF2-40B4-BE49-F238E27FC236}">
-                <a16:creationId xmlns:a16="http://schemas.microsoft.com/office/drawing/2014/main" id="{D4EF9E7E-CF34-823B-8062-7A0121337D14}"/>
+                <a16:creationId xmlns:a16="http://schemas.microsoft.com/office/drawing/2014/main" id="{A2F9128F-FBEF-6F97-B95A-294351EC8429}"/>
               </a:ext>
             </a:extLst>
           </p:cNvPr>
@@ -2286,7 +2286,7 @@
           <p:cNvPr id="4" name="文本占位符 3">
             <a:extLst>
               <a:ext uri="{FF2B5EF4-FFF2-40B4-BE49-F238E27FC236}">
-                <a16:creationId xmlns:a16="http://schemas.microsoft.com/office/drawing/2014/main" id="{DDBB7225-D326-ADA1-C127-C9FF58730220}"/>
+                <a16:creationId xmlns:a16="http://schemas.microsoft.com/office/drawing/2014/main" id="{C2DC9C39-DA64-B6B5-B987-5DE700A156D9}"/>
               </a:ext>
             </a:extLst>
           </p:cNvPr>
@@ -2357,7 +2357,7 @@
           <p:cNvPr id="5" name="日期占位符 4">
             <a:extLst>
               <a:ext uri="{FF2B5EF4-FFF2-40B4-BE49-F238E27FC236}">
-                <a16:creationId xmlns:a16="http://schemas.microsoft.com/office/drawing/2014/main" id="{4981F7AA-3B86-264D-C73D-F974EE0C59C1}"/>
+                <a16:creationId xmlns:a16="http://schemas.microsoft.com/office/drawing/2014/main" id="{9750F876-1F59-A108-B00C-8900D26E38F6}"/>
               </a:ext>
             </a:extLst>
           </p:cNvPr>
@@ -2373,7 +2373,7 @@
           <a:bodyPr/>
           <a:lstStyle/>
           <a:p>
-            <a:fld id="{14734214-FEBB-4CC3-96BD-EEA339DDF874}" type="datetimeFigureOut">
+            <a:fld id="{D04B1EF6-6D5B-4CCE-8D38-FE728C838A6F}" type="datetimeFigureOut">
               <a:rPr lang="zh-CN" altLang="en-US" smtClean="0"/>
               <a:t>2024/3/10</a:t>
             </a:fld>
@@ -2386,7 +2386,7 @@
           <p:cNvPr id="6" name="页脚占位符 5">
             <a:extLst>
               <a:ext uri="{FF2B5EF4-FFF2-40B4-BE49-F238E27FC236}">
-                <a16:creationId xmlns:a16="http://schemas.microsoft.com/office/drawing/2014/main" id="{77E0CA66-D792-E656-ACD3-BF0E5093FA68}"/>
+                <a16:creationId xmlns:a16="http://schemas.microsoft.com/office/drawing/2014/main" id="{CD8AC728-EBED-C5F8-F0E7-79610F4CC4A3}"/>
               </a:ext>
             </a:extLst>
           </p:cNvPr>
@@ -2411,7 +2411,7 @@
           <p:cNvPr id="7" name="灯片编号占位符 6">
             <a:extLst>
               <a:ext uri="{FF2B5EF4-FFF2-40B4-BE49-F238E27FC236}">
-                <a16:creationId xmlns:a16="http://schemas.microsoft.com/office/drawing/2014/main" id="{E86DF9DF-72B5-DA82-09A4-739C46EC9EC0}"/>
+                <a16:creationId xmlns:a16="http://schemas.microsoft.com/office/drawing/2014/main" id="{1B20D458-7CE9-358A-84FB-FC45947FE3F7}"/>
               </a:ext>
             </a:extLst>
           </p:cNvPr>
@@ -2427,7 +2427,7 @@
           <a:bodyPr/>
           <a:lstStyle/>
           <a:p>
-            <a:fld id="{930F1250-EBD9-419F-8F5D-63CABC651E0A}" type="slidenum">
+            <a:fld id="{C1F28DDF-9139-498C-98B9-90C7B274E8D7}" type="slidenum">
               <a:rPr lang="zh-CN" altLang="en-US" smtClean="0"/>
               <a:t>‹#›</a:t>
             </a:fld>
@@ -2438,7 +2438,7 @@
     </p:spTree>
     <p:extLst>
       <p:ext uri="{BB962C8B-B14F-4D97-AF65-F5344CB8AC3E}">
-        <p14:creationId xmlns:p14="http://schemas.microsoft.com/office/powerpoint/2010/main" val="4043077826"/>
+        <p14:creationId xmlns:p14="http://schemas.microsoft.com/office/powerpoint/2010/main" val="1507424104"/>
       </p:ext>
     </p:extLst>
   </p:cSld>
@@ -2470,7 +2470,7 @@
           <p:cNvPr id="2" name="标题 1">
             <a:extLst>
               <a:ext uri="{FF2B5EF4-FFF2-40B4-BE49-F238E27FC236}">
-                <a16:creationId xmlns:a16="http://schemas.microsoft.com/office/drawing/2014/main" id="{D06C6090-4E5D-A548-935C-860AAA8B4656}"/>
+                <a16:creationId xmlns:a16="http://schemas.microsoft.com/office/drawing/2014/main" id="{31B4CCAB-BCAE-1244-9090-02378BCE3AA5}"/>
               </a:ext>
             </a:extLst>
           </p:cNvPr>
@@ -2507,7 +2507,7 @@
           <p:cNvPr id="3" name="图片占位符 2">
             <a:extLst>
               <a:ext uri="{FF2B5EF4-FFF2-40B4-BE49-F238E27FC236}">
-                <a16:creationId xmlns:a16="http://schemas.microsoft.com/office/drawing/2014/main" id="{55645931-F352-6B36-9C2C-E66C0F25ECDE}"/>
+                <a16:creationId xmlns:a16="http://schemas.microsoft.com/office/drawing/2014/main" id="{8660511A-7BEB-BA2C-6946-A50BE78A2920}"/>
               </a:ext>
             </a:extLst>
           </p:cNvPr>
@@ -2574,7 +2574,7 @@
           <p:cNvPr id="4" name="文本占位符 3">
             <a:extLst>
               <a:ext uri="{FF2B5EF4-FFF2-40B4-BE49-F238E27FC236}">
-                <a16:creationId xmlns:a16="http://schemas.microsoft.com/office/drawing/2014/main" id="{CE0BD736-89DC-2AB2-AA9B-413A6BDDC2BF}"/>
+                <a16:creationId xmlns:a16="http://schemas.microsoft.com/office/drawing/2014/main" id="{CE615451-6AD3-B380-32A4-D25EDDA0F120}"/>
               </a:ext>
             </a:extLst>
           </p:cNvPr>
@@ -2645,7 +2645,7 @@
           <p:cNvPr id="5" name="日期占位符 4">
             <a:extLst>
               <a:ext uri="{FF2B5EF4-FFF2-40B4-BE49-F238E27FC236}">
-                <a16:creationId xmlns:a16="http://schemas.microsoft.com/office/drawing/2014/main" id="{AB0A02CE-1A9F-5A40-28DA-9EB16F04CF63}"/>
+                <a16:creationId xmlns:a16="http://schemas.microsoft.com/office/drawing/2014/main" id="{D27ABB50-9A16-97C9-627B-3ACAFB85C524}"/>
               </a:ext>
             </a:extLst>
           </p:cNvPr>
@@ -2661,7 +2661,7 @@
           <a:bodyPr/>
           <a:lstStyle/>
           <a:p>
-            <a:fld id="{14734214-FEBB-4CC3-96BD-EEA339DDF874}" type="datetimeFigureOut">
+            <a:fld id="{D04B1EF6-6D5B-4CCE-8D38-FE728C838A6F}" type="datetimeFigureOut">
               <a:rPr lang="zh-CN" altLang="en-US" smtClean="0"/>
               <a:t>2024/3/10</a:t>
             </a:fld>
@@ -2674,7 +2674,7 @@
           <p:cNvPr id="6" name="页脚占位符 5">
             <a:extLst>
               <a:ext uri="{FF2B5EF4-FFF2-40B4-BE49-F238E27FC236}">
-                <a16:creationId xmlns:a16="http://schemas.microsoft.com/office/drawing/2014/main" id="{DC8EC52A-DEFE-444B-22BE-4198DC35D363}"/>
+                <a16:creationId xmlns:a16="http://schemas.microsoft.com/office/drawing/2014/main" id="{BC3A6CFD-50E9-24F1-C9E2-95CCEC3A0CEF}"/>
               </a:ext>
             </a:extLst>
           </p:cNvPr>
@@ -2699,7 +2699,7 @@
           <p:cNvPr id="7" name="灯片编号占位符 6">
             <a:extLst>
               <a:ext uri="{FF2B5EF4-FFF2-40B4-BE49-F238E27FC236}">
-                <a16:creationId xmlns:a16="http://schemas.microsoft.com/office/drawing/2014/main" id="{A71CE8F4-9869-3042-BE07-D564EDC02530}"/>
+                <a16:creationId xmlns:a16="http://schemas.microsoft.com/office/drawing/2014/main" id="{C0D970F3-5E8F-D673-AE61-F7BF91A581F8}"/>
               </a:ext>
             </a:extLst>
           </p:cNvPr>
@@ -2715,7 +2715,7 @@
           <a:bodyPr/>
           <a:lstStyle/>
           <a:p>
-            <a:fld id="{930F1250-EBD9-419F-8F5D-63CABC651E0A}" type="slidenum">
+            <a:fld id="{C1F28DDF-9139-498C-98B9-90C7B274E8D7}" type="slidenum">
               <a:rPr lang="zh-CN" altLang="en-US" smtClean="0"/>
               <a:t>‹#›</a:t>
             </a:fld>
@@ -2726,7 +2726,7 @@
     </p:spTree>
     <p:extLst>
       <p:ext uri="{BB962C8B-B14F-4D97-AF65-F5344CB8AC3E}">
-        <p14:creationId xmlns:p14="http://schemas.microsoft.com/office/powerpoint/2010/main" val="452159274"/>
+        <p14:creationId xmlns:p14="http://schemas.microsoft.com/office/powerpoint/2010/main" val="398417168"/>
       </p:ext>
     </p:extLst>
   </p:cSld>
@@ -2763,7 +2763,7 @@
           <p:cNvPr id="2" name="标题占位符 1">
             <a:extLst>
               <a:ext uri="{FF2B5EF4-FFF2-40B4-BE49-F238E27FC236}">
-                <a16:creationId xmlns:a16="http://schemas.microsoft.com/office/drawing/2014/main" id="{17619B3A-21C6-4907-5178-C1F96588F981}"/>
+                <a16:creationId xmlns:a16="http://schemas.microsoft.com/office/drawing/2014/main" id="{4BA46241-B3E0-570E-46DC-C4B8671CF57D}"/>
               </a:ext>
             </a:extLst>
           </p:cNvPr>
@@ -2801,7 +2801,7 @@
           <p:cNvPr id="3" name="文本占位符 2">
             <a:extLst>
               <a:ext uri="{FF2B5EF4-FFF2-40B4-BE49-F238E27FC236}">
-                <a16:creationId xmlns:a16="http://schemas.microsoft.com/office/drawing/2014/main" id="{8590C1C0-4D39-E8FE-1F62-77BA4C55CF6C}"/>
+                <a16:creationId xmlns:a16="http://schemas.microsoft.com/office/drawing/2014/main" id="{F98C8BD8-01DB-30DB-1B03-F46218EC7DB7}"/>
               </a:ext>
             </a:extLst>
           </p:cNvPr>
@@ -2868,7 +2868,7 @@
           <p:cNvPr id="4" name="日期占位符 3">
             <a:extLst>
               <a:ext uri="{FF2B5EF4-FFF2-40B4-BE49-F238E27FC236}">
-                <a16:creationId xmlns:a16="http://schemas.microsoft.com/office/drawing/2014/main" id="{20BF01FF-7B0E-5ECB-337B-9D1A26548390}"/>
+                <a16:creationId xmlns:a16="http://schemas.microsoft.com/office/drawing/2014/main" id="{94390BEC-9999-8A24-41F7-9CBCB6CEC7AB}"/>
               </a:ext>
             </a:extLst>
           </p:cNvPr>
@@ -2902,7 +2902,7 @@
             </a:lvl1pPr>
           </a:lstStyle>
           <a:p>
-            <a:fld id="{14734214-FEBB-4CC3-96BD-EEA339DDF874}" type="datetimeFigureOut">
+            <a:fld id="{D04B1EF6-6D5B-4CCE-8D38-FE728C838A6F}" type="datetimeFigureOut">
               <a:rPr lang="zh-CN" altLang="en-US" smtClean="0"/>
               <a:t>2024/3/10</a:t>
             </a:fld>
@@ -2915,7 +2915,7 @@
           <p:cNvPr id="5" name="页脚占位符 4">
             <a:extLst>
               <a:ext uri="{FF2B5EF4-FFF2-40B4-BE49-F238E27FC236}">
-                <a16:creationId xmlns:a16="http://schemas.microsoft.com/office/drawing/2014/main" id="{254A7E38-1C4B-EB35-2AA1-707464933A95}"/>
+                <a16:creationId xmlns:a16="http://schemas.microsoft.com/office/drawing/2014/main" id="{6D84BE89-83BC-5D83-DFF1-4460278D6DDE}"/>
               </a:ext>
             </a:extLst>
           </p:cNvPr>
@@ -2958,7 +2958,7 @@
           <p:cNvPr id="6" name="灯片编号占位符 5">
             <a:extLst>
               <a:ext uri="{FF2B5EF4-FFF2-40B4-BE49-F238E27FC236}">
-                <a16:creationId xmlns:a16="http://schemas.microsoft.com/office/drawing/2014/main" id="{640082C5-EB6C-81C7-3D8B-7B4413D43CD9}"/>
+                <a16:creationId xmlns:a16="http://schemas.microsoft.com/office/drawing/2014/main" id="{85FDA3D4-5119-C3E3-47DA-A0B8BBFDACE8}"/>
               </a:ext>
             </a:extLst>
           </p:cNvPr>
@@ -2992,7 +2992,7 @@
             </a:lvl1pPr>
           </a:lstStyle>
           <a:p>
-            <a:fld id="{930F1250-EBD9-419F-8F5D-63CABC651E0A}" type="slidenum">
+            <a:fld id="{C1F28DDF-9139-498C-98B9-90C7B274E8D7}" type="slidenum">
               <a:rPr lang="zh-CN" altLang="en-US" smtClean="0"/>
               <a:t>‹#›</a:t>
             </a:fld>
@@ -3003,7 +3003,7 @@
     </p:spTree>
     <p:extLst>
       <p:ext uri="{BB962C8B-B14F-4D97-AF65-F5344CB8AC3E}">
-        <p14:creationId xmlns:p14="http://schemas.microsoft.com/office/powerpoint/2010/main" val="2348204668"/>
+        <p14:creationId xmlns:p14="http://schemas.microsoft.com/office/powerpoint/2010/main" val="1522234879"/>
       </p:ext>
     </p:extLst>
   </p:cSld>
@@ -3323,7 +3323,7 @@
       </p:grpSpPr>
       <p:pic>
         <p:nvPicPr>
-          <p:cNvPr id="667650" name="Picture 2" descr="651"/>
+          <p:cNvPr id="668674" name="Picture 2" descr="652"/>
           <p:cNvPicPr>
             <a:picLocks noChangeAspect="1" noChangeArrowheads="1"/>
           </p:cNvPicPr>
